--- a/class/micro03.pptx
+++ b/class/micro03.pptx
@@ -9,8 +9,10 @@
     <p:sldId id="272" r:id="rId3"/>
     <p:sldId id="293" r:id="rId4"/>
     <p:sldId id="274" r:id="rId5"/>
-    <p:sldId id="283" r:id="rId6"/>
-    <p:sldId id="294" r:id="rId7"/>
+    <p:sldId id="295" r:id="rId6"/>
+    <p:sldId id="296" r:id="rId7"/>
+    <p:sldId id="283" r:id="rId8"/>
+    <p:sldId id="294" r:id="rId9"/>
   </p:sldIdLst>
   <p:sldSz cx="12192000" cy="6858000"/>
   <p:notesSz cx="6858000" cy="9144000"/>
@@ -287,7 +289,7 @@
           <a:p>
             <a:fld id="{48A87A34-81AB-432B-8DAE-1953F412C126}" type="datetimeFigureOut">
               <a:rPr lang="en-US" smtClean="0"/>
-              <a:t>11/20/2023</a:t>
+              <a:t>11/27/2023</a:t>
             </a:fld>
             <a:endParaRPr lang="en-US" dirty="0"/>
           </a:p>
@@ -555,7 +557,7 @@
             <a:fld id="{48A87A34-81AB-432B-8DAE-1953F412C126}" type="datetimeFigureOut">
               <a:rPr lang="en-US" smtClean="0"/>
               <a:pPr/>
-              <a:t>11/20/2023</a:t>
+              <a:t>11/27/2023</a:t>
             </a:fld>
             <a:endParaRPr lang="en-US" dirty="0"/>
           </a:p>
@@ -788,7 +790,7 @@
             <a:fld id="{48A87A34-81AB-432B-8DAE-1953F412C126}" type="datetimeFigureOut">
               <a:rPr lang="en-US" smtClean="0"/>
               <a:pPr/>
-              <a:t>11/20/2023</a:t>
+              <a:t>11/27/2023</a:t>
             </a:fld>
             <a:endParaRPr lang="en-US" dirty="0"/>
           </a:p>
@@ -1100,7 +1102,7 @@
             <a:fld id="{48A87A34-81AB-432B-8DAE-1953F412C126}" type="datetimeFigureOut">
               <a:rPr lang="en-US" smtClean="0"/>
               <a:pPr/>
-              <a:t>11/20/2023</a:t>
+              <a:t>11/27/2023</a:t>
             </a:fld>
             <a:endParaRPr lang="en-US" dirty="0"/>
           </a:p>
@@ -1575,7 +1577,7 @@
             <a:fld id="{48A87A34-81AB-432B-8DAE-1953F412C126}" type="datetimeFigureOut">
               <a:rPr lang="en-US" smtClean="0"/>
               <a:pPr/>
-              <a:t>11/20/2023</a:t>
+              <a:t>11/27/2023</a:t>
             </a:fld>
             <a:endParaRPr lang="en-US" dirty="0"/>
           </a:p>
@@ -2124,7 +2126,7 @@
             <a:fld id="{48A87A34-81AB-432B-8DAE-1953F412C126}" type="datetimeFigureOut">
               <a:rPr lang="en-US" smtClean="0"/>
               <a:pPr/>
-              <a:t>11/20/2023</a:t>
+              <a:t>11/27/2023</a:t>
             </a:fld>
             <a:endParaRPr lang="en-US" dirty="0"/>
           </a:p>
@@ -2900,7 +2902,7 @@
             <a:fld id="{48A87A34-81AB-432B-8DAE-1953F412C126}" type="datetimeFigureOut">
               <a:rPr lang="en-US" smtClean="0"/>
               <a:pPr/>
-              <a:t>11/20/2023</a:t>
+              <a:t>11/27/2023</a:t>
             </a:fld>
             <a:endParaRPr lang="en-US" dirty="0"/>
           </a:p>
@@ -3076,7 +3078,7 @@
           <a:p>
             <a:fld id="{48A87A34-81AB-432B-8DAE-1953F412C126}" type="datetimeFigureOut">
               <a:rPr lang="en-US" smtClean="0"/>
-              <a:t>11/20/2023</a:t>
+              <a:t>11/27/2023</a:t>
             </a:fld>
             <a:endParaRPr lang="en-US" dirty="0"/>
           </a:p>
@@ -3299,7 +3301,7 @@
           <a:p>
             <a:fld id="{48A87A34-81AB-432B-8DAE-1953F412C126}" type="datetimeFigureOut">
               <a:rPr lang="en-US" smtClean="0"/>
-              <a:t>11/20/2023</a:t>
+              <a:t>11/27/2023</a:t>
             </a:fld>
             <a:endParaRPr lang="en-US" dirty="0"/>
           </a:p>
@@ -3479,7 +3481,7 @@
           <a:p>
             <a:fld id="{48A87A34-81AB-432B-8DAE-1953F412C126}" type="datetimeFigureOut">
               <a:rPr lang="en-US" smtClean="0"/>
-              <a:t>11/20/2023</a:t>
+              <a:t>11/27/2023</a:t>
             </a:fld>
             <a:endParaRPr lang="en-US" dirty="0"/>
           </a:p>
@@ -3768,7 +3770,7 @@
           <a:p>
             <a:fld id="{48A87A34-81AB-432B-8DAE-1953F412C126}" type="datetimeFigureOut">
               <a:rPr lang="en-US" smtClean="0"/>
-              <a:t>11/20/2023</a:t>
+              <a:t>11/27/2023</a:t>
             </a:fld>
             <a:endParaRPr lang="en-US" dirty="0"/>
           </a:p>
@@ -4010,7 +4012,7 @@
           <a:p>
             <a:fld id="{48A87A34-81AB-432B-8DAE-1953F412C126}" type="datetimeFigureOut">
               <a:rPr lang="en-US" smtClean="0"/>
-              <a:t>11/20/2023</a:t>
+              <a:t>11/27/2023</a:t>
             </a:fld>
             <a:endParaRPr lang="en-US" dirty="0"/>
           </a:p>
@@ -4389,7 +4391,7 @@
           <a:p>
             <a:fld id="{48A87A34-81AB-432B-8DAE-1953F412C126}" type="datetimeFigureOut">
               <a:rPr lang="en-US" smtClean="0"/>
-              <a:t>11/20/2023</a:t>
+              <a:t>11/27/2023</a:t>
             </a:fld>
             <a:endParaRPr lang="en-US" dirty="0"/>
           </a:p>
@@ -4507,7 +4509,7 @@
           <a:p>
             <a:fld id="{48A87A34-81AB-432B-8DAE-1953F412C126}" type="datetimeFigureOut">
               <a:rPr lang="en-US" smtClean="0"/>
-              <a:t>11/20/2023</a:t>
+              <a:t>11/27/2023</a:t>
             </a:fld>
             <a:endParaRPr lang="en-US" dirty="0"/>
           </a:p>
@@ -4602,7 +4604,7 @@
           <a:p>
             <a:fld id="{48A87A34-81AB-432B-8DAE-1953F412C126}" type="datetimeFigureOut">
               <a:rPr lang="en-US" smtClean="0"/>
-              <a:t>11/20/2023</a:t>
+              <a:t>11/27/2023</a:t>
             </a:fld>
             <a:endParaRPr lang="en-US" dirty="0"/>
           </a:p>
@@ -4851,7 +4853,7 @@
           <a:p>
             <a:fld id="{48A87A34-81AB-432B-8DAE-1953F412C126}" type="datetimeFigureOut">
               <a:rPr lang="en-US" smtClean="0"/>
-              <a:t>11/20/2023</a:t>
+              <a:t>11/27/2023</a:t>
             </a:fld>
             <a:endParaRPr lang="en-US" dirty="0"/>
           </a:p>
@@ -5108,7 +5110,7 @@
           <a:p>
             <a:fld id="{48A87A34-81AB-432B-8DAE-1953F412C126}" type="datetimeFigureOut">
               <a:rPr lang="en-US" smtClean="0"/>
-              <a:t>11/20/2023</a:t>
+              <a:t>11/27/2023</a:t>
             </a:fld>
             <a:endParaRPr lang="en-US" dirty="0"/>
           </a:p>
@@ -5352,7 +5354,7 @@
             <a:fld id="{48A87A34-81AB-432B-8DAE-1953F412C126}" type="datetimeFigureOut">
               <a:rPr lang="en-US" smtClean="0"/>
               <a:pPr/>
-              <a:t>11/20/2023</a:t>
+              <a:t>11/27/2023</a:t>
             </a:fld>
             <a:endParaRPr lang="en-US" dirty="0"/>
           </a:p>
@@ -6233,6 +6235,140 @@
               <a:rPr lang="en-US" dirty="0">
                 <a:cs typeface="B Yekan" panose="00000400000000000000" pitchFamily="2" charset="-78"/>
               </a:rPr>
+              <a:t>FAST</a:t>
+            </a:r>
+            <a:r>
+              <a:rPr lang="fa-IR" dirty="0">
+                <a:cs typeface="B Yekan" panose="00000400000000000000" pitchFamily="2" charset="-78"/>
+              </a:rPr>
+              <a:t> سریع</a:t>
+            </a:r>
+            <a:endParaRPr lang="en-US" dirty="0">
+              <a:cs typeface="B Yekan" panose="00000400000000000000" pitchFamily="2" charset="-78"/>
+            </a:endParaRPr>
+          </a:p>
+        </p:txBody>
+      </p:sp>
+      <p:sp>
+        <p:nvSpPr>
+          <p:cNvPr id="3" name="Content Placeholder 2">
+            <a:extLst>
+              <a:ext uri="{FF2B5EF4-FFF2-40B4-BE49-F238E27FC236}">
+                <a16:creationId xmlns:a16="http://schemas.microsoft.com/office/drawing/2014/main" id="{C260ECB8-EBE4-5620-E0D7-46882B85EB3C}"/>
+              </a:ext>
+            </a:extLst>
+          </p:cNvPr>
+          <p:cNvSpPr>
+            <a:spLocks noGrp="1"/>
+          </p:cNvSpPr>
+          <p:nvPr>
+            <p:ph idx="1"/>
+          </p:nvPr>
+        </p:nvSpPr>
+        <p:spPr/>
+        <p:txBody>
+          <a:bodyPr/>
+          <a:lstStyle/>
+          <a:p>
+            <a:pPr algn="r" rtl="1"/>
+            <a:r>
+              <a:rPr lang="fa-IR" dirty="0">
+                <a:cs typeface="B Yekan" panose="00000400000000000000" pitchFamily="2" charset="-78"/>
+              </a:rPr>
+              <a:t>سرعت پردازش به نسبت فضا و هزینه بالاست و قابلیت برنامه ریزی سریعی دارد.</a:t>
+            </a:r>
+            <a:endParaRPr lang="en-US" dirty="0">
+              <a:cs typeface="B Yekan" panose="00000400000000000000" pitchFamily="2" charset="-78"/>
+            </a:endParaRPr>
+          </a:p>
+        </p:txBody>
+      </p:sp>
+      <p:pic>
+        <p:nvPicPr>
+          <p:cNvPr id="5" name="Picture 4">
+            <a:extLst>
+              <a:ext uri="{FF2B5EF4-FFF2-40B4-BE49-F238E27FC236}">
+                <a16:creationId xmlns:a16="http://schemas.microsoft.com/office/drawing/2014/main" id="{7F151723-89DD-AB76-8BEF-A287B4E1D961}"/>
+              </a:ext>
+            </a:extLst>
+          </p:cNvPr>
+          <p:cNvPicPr>
+            <a:picLocks noChangeAspect="1"/>
+          </p:cNvPicPr>
+          <p:nvPr/>
+        </p:nvPicPr>
+        <p:blipFill>
+          <a:blip r:embed="rId2"/>
+          <a:stretch>
+            <a:fillRect/>
+          </a:stretch>
+        </p:blipFill>
+        <p:spPr>
+          <a:xfrm>
+            <a:off x="1110783" y="3033981"/>
+            <a:ext cx="4572840" cy="3059646"/>
+          </a:xfrm>
+          <a:prstGeom prst="rect">
+            <a:avLst/>
+          </a:prstGeom>
+        </p:spPr>
+      </p:pic>
+    </p:spTree>
+    <p:extLst>
+      <p:ext uri="{BB962C8B-B14F-4D97-AF65-F5344CB8AC3E}">
+        <p14:creationId xmlns:p14="http://schemas.microsoft.com/office/powerpoint/2010/main" val="447333933"/>
+      </p:ext>
+    </p:extLst>
+  </p:cSld>
+  <p:clrMapOvr>
+    <a:masterClrMapping/>
+  </p:clrMapOvr>
+</p:sld>
+</file>
+
+<file path=ppt/slides/slide5.xml><?xml version="1.0" encoding="utf-8"?>
+<p:sld xmlns:a="http://schemas.openxmlformats.org/drawingml/2006/main" xmlns:r="http://schemas.openxmlformats.org/officeDocument/2006/relationships" xmlns:p="http://schemas.openxmlformats.org/presentationml/2006/main">
+  <p:cSld>
+    <p:spTree>
+      <p:nvGrpSpPr>
+        <p:cNvPr id="1" name=""/>
+        <p:cNvGrpSpPr/>
+        <p:nvPr/>
+      </p:nvGrpSpPr>
+      <p:grpSpPr>
+        <a:xfrm>
+          <a:off x="0" y="0"/>
+          <a:ext cx="0" cy="0"/>
+          <a:chOff x="0" y="0"/>
+          <a:chExt cx="0" cy="0"/>
+        </a:xfrm>
+      </p:grpSpPr>
+      <p:sp>
+        <p:nvSpPr>
+          <p:cNvPr id="2" name="Title 1">
+            <a:extLst>
+              <a:ext uri="{FF2B5EF4-FFF2-40B4-BE49-F238E27FC236}">
+                <a16:creationId xmlns:a16="http://schemas.microsoft.com/office/drawing/2014/main" id="{856C7422-8099-6D5D-6DE3-FC740C14487C}"/>
+              </a:ext>
+            </a:extLst>
+          </p:cNvPr>
+          <p:cNvSpPr>
+            <a:spLocks noGrp="1"/>
+          </p:cNvSpPr>
+          <p:nvPr>
+            <p:ph type="title"/>
+          </p:nvPr>
+        </p:nvSpPr>
+        <p:spPr/>
+        <p:txBody>
+          <a:bodyPr/>
+          <a:lstStyle/>
+          <a:p>
+            <a:pPr algn="r" rtl="1"/>
+            <a:r>
+              <a:rPr lang="en-US" dirty="0">
+                <a:cs typeface="B Yekan" panose="00000400000000000000" pitchFamily="2" charset="-78"/>
+              </a:rPr>
               <a:t>Affordable</a:t>
             </a:r>
             <a:r>
@@ -6314,7 +6450,7 @@
     </p:spTree>
     <p:extLst>
       <p:ext uri="{BB962C8B-B14F-4D97-AF65-F5344CB8AC3E}">
-        <p14:creationId xmlns:p14="http://schemas.microsoft.com/office/powerpoint/2010/main" val="447333933"/>
+        <p14:creationId xmlns:p14="http://schemas.microsoft.com/office/powerpoint/2010/main" val="1079179762"/>
       </p:ext>
     </p:extLst>
   </p:cSld>
@@ -6324,7 +6460,142 @@
 </p:sld>
 </file>
 
-<file path=ppt/slides/slide5.xml><?xml version="1.0" encoding="utf-8"?>
+<file path=ppt/slides/slide6.xml><?xml version="1.0" encoding="utf-8"?>
+<p:sld xmlns:a="http://schemas.openxmlformats.org/drawingml/2006/main" xmlns:r="http://schemas.openxmlformats.org/officeDocument/2006/relationships" xmlns:p="http://schemas.openxmlformats.org/presentationml/2006/main">
+  <p:cSld>
+    <p:spTree>
+      <p:nvGrpSpPr>
+        <p:cNvPr id="1" name=""/>
+        <p:cNvGrpSpPr/>
+        <p:nvPr/>
+      </p:nvGrpSpPr>
+      <p:grpSpPr>
+        <a:xfrm>
+          <a:off x="0" y="0"/>
+          <a:ext cx="0" cy="0"/>
+          <a:chOff x="0" y="0"/>
+          <a:chExt cx="0" cy="0"/>
+        </a:xfrm>
+      </p:grpSpPr>
+      <p:sp>
+        <p:nvSpPr>
+          <p:cNvPr id="2" name="Title 1">
+            <a:extLst>
+              <a:ext uri="{FF2B5EF4-FFF2-40B4-BE49-F238E27FC236}">
+                <a16:creationId xmlns:a16="http://schemas.microsoft.com/office/drawing/2014/main" id="{856C7422-8099-6D5D-6DE3-FC740C14487C}"/>
+              </a:ext>
+            </a:extLst>
+          </p:cNvPr>
+          <p:cNvSpPr>
+            <a:spLocks noGrp="1"/>
+          </p:cNvSpPr>
+          <p:nvPr>
+            <p:ph type="title"/>
+          </p:nvPr>
+        </p:nvSpPr>
+        <p:spPr/>
+        <p:txBody>
+          <a:bodyPr/>
+          <a:lstStyle/>
+          <a:p>
+            <a:pPr algn="r" rtl="1"/>
+            <a:r>
+              <a:rPr lang="en-US" b="1" i="0" dirty="0">
+                <a:effectLst/>
+                <a:latin typeface="Open Sans" panose="020B0606030504020204" pitchFamily="34" charset="0"/>
+              </a:rPr>
+              <a:t>Secure</a:t>
+            </a:r>
+            <a:r>
+              <a:rPr lang="fa-IR" dirty="0">
+                <a:cs typeface="B Yekan" panose="00000400000000000000" pitchFamily="2" charset="-78"/>
+              </a:rPr>
+              <a:t> امنیت</a:t>
+            </a:r>
+            <a:endParaRPr lang="en-US" dirty="0">
+              <a:cs typeface="B Yekan" panose="00000400000000000000" pitchFamily="2" charset="-78"/>
+            </a:endParaRPr>
+          </a:p>
+        </p:txBody>
+      </p:sp>
+      <p:sp>
+        <p:nvSpPr>
+          <p:cNvPr id="3" name="Content Placeholder 2">
+            <a:extLst>
+              <a:ext uri="{FF2B5EF4-FFF2-40B4-BE49-F238E27FC236}">
+                <a16:creationId xmlns:a16="http://schemas.microsoft.com/office/drawing/2014/main" id="{C260ECB8-EBE4-5620-E0D7-46882B85EB3C}"/>
+              </a:ext>
+            </a:extLst>
+          </p:cNvPr>
+          <p:cNvSpPr>
+            <a:spLocks noGrp="1"/>
+          </p:cNvSpPr>
+          <p:nvPr>
+            <p:ph idx="1"/>
+          </p:nvPr>
+        </p:nvSpPr>
+        <p:spPr/>
+        <p:txBody>
+          <a:bodyPr/>
+          <a:lstStyle/>
+          <a:p>
+            <a:pPr algn="r" rtl="1"/>
+            <a:r>
+              <a:rPr lang="fa-IR" dirty="0">
+                <a:cs typeface="B Yekan" panose="00000400000000000000" pitchFamily="2" charset="-78"/>
+              </a:rPr>
+              <a:t>با توجه به اینکه قطعات کوچک هستند و قابلیت حمل دارند و به طور معمول دسترسی فیزیکی به آن ها ممکن نیست استفاده از ریز پردازنده ها امن است.</a:t>
+            </a:r>
+            <a:endParaRPr lang="en-US" dirty="0">
+              <a:cs typeface="B Yekan" panose="00000400000000000000" pitchFamily="2" charset="-78"/>
+            </a:endParaRPr>
+          </a:p>
+        </p:txBody>
+      </p:sp>
+      <p:pic>
+        <p:nvPicPr>
+          <p:cNvPr id="5" name="Picture 4">
+            <a:extLst>
+              <a:ext uri="{FF2B5EF4-FFF2-40B4-BE49-F238E27FC236}">
+                <a16:creationId xmlns:a16="http://schemas.microsoft.com/office/drawing/2014/main" id="{3C4A3560-6C8B-552C-DCE4-D96E5DFA06C1}"/>
+              </a:ext>
+            </a:extLst>
+          </p:cNvPr>
+          <p:cNvPicPr>
+            <a:picLocks noChangeAspect="1"/>
+          </p:cNvPicPr>
+          <p:nvPr/>
+        </p:nvPicPr>
+        <p:blipFill>
+          <a:blip r:embed="rId2"/>
+          <a:stretch>
+            <a:fillRect/>
+          </a:stretch>
+        </p:blipFill>
+        <p:spPr>
+          <a:xfrm>
+            <a:off x="983316" y="3332629"/>
+            <a:ext cx="3328708" cy="3072654"/>
+          </a:xfrm>
+          <a:prstGeom prst="rect">
+            <a:avLst/>
+          </a:prstGeom>
+        </p:spPr>
+      </p:pic>
+    </p:spTree>
+    <p:extLst>
+      <p:ext uri="{BB962C8B-B14F-4D97-AF65-F5344CB8AC3E}">
+        <p14:creationId xmlns:p14="http://schemas.microsoft.com/office/powerpoint/2010/main" val="1286776819"/>
+      </p:ext>
+    </p:extLst>
+  </p:cSld>
+  <p:clrMapOvr>
+    <a:masterClrMapping/>
+  </p:clrMapOvr>
+</p:sld>
+</file>
+
+<file path=ppt/slides/slide7.xml><?xml version="1.0" encoding="utf-8"?>
 <p:sld xmlns:a="http://schemas.openxmlformats.org/drawingml/2006/main" xmlns:r="http://schemas.openxmlformats.org/officeDocument/2006/relationships" xmlns:p="http://schemas.openxmlformats.org/presentationml/2006/main">
   <p:cSld>
     <p:spTree>
@@ -6622,7 +6893,7 @@
 </p:sld>
 </file>
 
-<file path=ppt/slides/slide6.xml><?xml version="1.0" encoding="utf-8"?>
+<file path=ppt/slides/slide8.xml><?xml version="1.0" encoding="utf-8"?>
 <p:sld xmlns:a="http://schemas.openxmlformats.org/drawingml/2006/main" xmlns:r="http://schemas.openxmlformats.org/officeDocument/2006/relationships" xmlns:p="http://schemas.openxmlformats.org/presentationml/2006/main">
   <p:cSld>
     <p:spTree>
